--- a/docs/reports/presentation/slides.pptx
+++ b/docs/reports/presentation/slides.pptx
@@ -16191,7 +16191,7 @@
         </p:nvGrpSpPr>
         <p:grpSpPr>
           <a:xfrm>
-            <a:off x="1371600" y="2781300"/>
+            <a:off x="762000" y="2781300"/>
             <a:ext cx="3447216" cy="7370316"/>
             <a:chOff x="0" y="0"/>
             <a:chExt cx="1198766" cy="1433761"/>
@@ -16288,7 +16288,7 @@
         </p:nvGrpSpPr>
         <p:grpSpPr>
           <a:xfrm>
-            <a:off x="5447747" y="2781300"/>
+            <a:off x="4838147" y="2781300"/>
             <a:ext cx="3447216" cy="7370316"/>
             <a:chOff x="0" y="0"/>
             <a:chExt cx="1198766" cy="1433761"/>
@@ -16385,8 +16385,8 @@
         </p:nvGrpSpPr>
         <p:grpSpPr>
           <a:xfrm>
-            <a:off x="9562547" y="2781300"/>
-            <a:ext cx="3447216" cy="7370316"/>
+            <a:off x="8915400" y="2781300"/>
+            <a:ext cx="4876800" cy="7370316"/>
             <a:chOff x="0" y="0"/>
             <a:chExt cx="1198766" cy="1433761"/>
           </a:xfrm>
@@ -16482,7 +16482,7 @@
         </p:nvGrpSpPr>
         <p:grpSpPr>
           <a:xfrm>
-            <a:off x="1219200" y="2628900"/>
+            <a:off x="609600" y="2628900"/>
             <a:ext cx="3447216" cy="7370316"/>
             <a:chOff x="0" y="0"/>
             <a:chExt cx="1198766" cy="1433761"/>
@@ -16579,7 +16579,7 @@
         </p:nvGrpSpPr>
         <p:grpSpPr>
           <a:xfrm>
-            <a:off x="5295347" y="2628900"/>
+            <a:off x="4685747" y="2628900"/>
             <a:ext cx="3447216" cy="7370316"/>
             <a:chOff x="0" y="0"/>
             <a:chExt cx="1198766" cy="1433761"/>
@@ -16676,8 +16676,8 @@
         </p:nvGrpSpPr>
         <p:grpSpPr>
           <a:xfrm>
-            <a:off x="9410147" y="2628900"/>
-            <a:ext cx="3447216" cy="7370316"/>
+            <a:off x="8763000" y="2628900"/>
+            <a:ext cx="4876800" cy="7370316"/>
             <a:chOff x="0" y="0"/>
             <a:chExt cx="1198766" cy="1433761"/>
           </a:xfrm>
@@ -16773,7 +16773,7 @@
         </p:nvSpPr>
         <p:spPr>
           <a:xfrm>
-            <a:off x="1404438" y="3807299"/>
+            <a:off x="794838" y="3807299"/>
             <a:ext cx="3166627" cy="3015505"/>
           </a:xfrm>
           <a:prstGeom prst="rect">
@@ -16915,7 +16915,7 @@
         </p:nvSpPr>
         <p:spPr>
           <a:xfrm>
-            <a:off x="2057400" y="2985440"/>
+            <a:off x="1447800" y="2985440"/>
             <a:ext cx="1905000" cy="564129"/>
           </a:xfrm>
           <a:prstGeom prst="rect">
@@ -16959,7 +16959,7 @@
         </p:nvSpPr>
         <p:spPr>
           <a:xfrm>
-            <a:off x="5867400" y="2985440"/>
+            <a:off x="5257800" y="2985440"/>
             <a:ext cx="2322635" cy="571803"/>
           </a:xfrm>
           <a:prstGeom prst="rect">
@@ -17003,7 +17003,7 @@
         </p:nvSpPr>
         <p:spPr>
           <a:xfrm>
-            <a:off x="5545742" y="3807299"/>
+            <a:off x="4936142" y="3807299"/>
             <a:ext cx="3065620" cy="4759573"/>
           </a:xfrm>
           <a:prstGeom prst="rect">
@@ -17169,8 +17169,8 @@
         </p:nvSpPr>
         <p:spPr>
           <a:xfrm>
-            <a:off x="10153284" y="2985440"/>
-            <a:ext cx="1752132" cy="571803"/>
+            <a:off x="9506136" y="2985440"/>
+            <a:ext cx="2478753" cy="571803"/>
           </a:xfrm>
           <a:prstGeom prst="rect">
             <a:avLst/>
@@ -17446,7 +17446,7 @@
         </p:nvGrpSpPr>
         <p:grpSpPr>
           <a:xfrm>
-            <a:off x="13659131" y="2802384"/>
+            <a:off x="14231184" y="2802384"/>
             <a:ext cx="3447216" cy="7370316"/>
             <a:chOff x="0" y="0"/>
             <a:chExt cx="1198766" cy="1433761"/>
@@ -17561,7 +17561,7 @@
         </p:nvGrpSpPr>
         <p:grpSpPr>
           <a:xfrm>
-            <a:off x="13506731" y="2649984"/>
+            <a:off x="14078784" y="2649984"/>
             <a:ext cx="3447216" cy="7370316"/>
             <a:chOff x="0" y="0"/>
             <a:chExt cx="1198766" cy="1433761"/>
@@ -17676,7 +17676,7 @@
         </p:nvSpPr>
         <p:spPr>
           <a:xfrm>
-            <a:off x="14249868" y="3006524"/>
+            <a:off x="14821921" y="3006524"/>
             <a:ext cx="1752132" cy="571803"/>
           </a:xfrm>
           <a:prstGeom prst="rect">
@@ -17726,8 +17726,8 @@
         </p:nvSpPr>
         <p:spPr>
           <a:xfrm>
-            <a:off x="9581321" y="3807299"/>
-            <a:ext cx="3065620" cy="6067623"/>
+            <a:off x="8934174" y="3807299"/>
+            <a:ext cx="4400826" cy="5631606"/>
           </a:xfrm>
           <a:prstGeom prst="rect">
             <a:avLst/>
@@ -18018,6 +18018,42 @@
             </a:endParaRPr>
           </a:p>
           <a:p>
+            <a:pPr marL="342900" indent="-342900">
+              <a:lnSpc>
+                <a:spcPts val="3359"/>
+              </a:lnSpc>
+              <a:spcBef>
+                <a:spcPct val="0"/>
+              </a:spcBef>
+              <a:buFontTx/>
+              <a:buChar char="-"/>
+            </a:pPr>
+            <a:r>
+              <a:rPr lang="en-US" sz="2400" dirty="0" err="1">
+                <a:solidFill>
+                  <a:srgbClr val="000000"/>
+                </a:solidFill>
+                <a:latin typeface="Inter"/>
+                <a:ea typeface="Inter"/>
+                <a:cs typeface="Inter"/>
+                <a:sym typeface="Inter"/>
+              </a:rPr>
+              <a:t>XGBoost</a:t>
+            </a:r>
+            <a:r>
+              <a:rPr lang="en-US" sz="2400" dirty="0">
+                <a:solidFill>
+                  <a:srgbClr val="000000"/>
+                </a:solidFill>
+                <a:latin typeface="Inter"/>
+                <a:ea typeface="Inter"/>
+                <a:cs typeface="Inter"/>
+                <a:sym typeface="Inter"/>
+              </a:rPr>
+              <a:t> [+ Random Forest]</a:t>
+            </a:r>
+          </a:p>
+          <a:p>
             <a:pPr marL="342900" indent="-342900" algn="just">
               <a:lnSpc>
                 <a:spcPts val="3359"/>
@@ -18029,18 +18065,6 @@
               <a:buChar char="-"/>
             </a:pPr>
             <a:r>
-              <a:rPr lang="en-US" sz="2400" dirty="0" err="1">
-                <a:solidFill>
-                  <a:srgbClr val="000000"/>
-                </a:solidFill>
-                <a:latin typeface="Inter"/>
-                <a:ea typeface="Inter"/>
-                <a:cs typeface="Inter"/>
-                <a:sym typeface="Inter"/>
-              </a:rPr>
-              <a:t>XGBoost</a:t>
-            </a:r>
-            <a:r>
               <a:rPr lang="en-US" sz="2400" dirty="0">
                 <a:solidFill>
                   <a:srgbClr val="000000"/>
@@ -18050,7 +18074,7 @@
                 <a:cs typeface="Inter"/>
                 <a:sym typeface="Inter"/>
               </a:rPr>
-              <a:t> [+ Random Forest]</a:t>
+              <a:t>Support Vector Regression</a:t>
             </a:r>
           </a:p>
           <a:p>
@@ -18074,7 +18098,7 @@
                 <a:cs typeface="Inter"/>
                 <a:sym typeface="Inter"/>
               </a:rPr>
-              <a:t>Support Vector Regression</a:t>
+              <a:t>MLP Regressor</a:t>
             </a:r>
           </a:p>
         </p:txBody>
@@ -18093,8 +18117,8 @@
         </p:nvSpPr>
         <p:spPr>
           <a:xfrm>
-            <a:off x="13697529" y="3807299"/>
-            <a:ext cx="3065620" cy="1707455"/>
+            <a:off x="14269582" y="3807299"/>
+            <a:ext cx="3065620" cy="2143472"/>
           </a:xfrm>
           <a:prstGeom prst="rect">
             <a:avLst/>
@@ -18198,7 +18222,31 @@
                 <a:cs typeface="Inter"/>
                 <a:sym typeface="Inter"/>
               </a:rPr>
-              <a:t>MLP Regressor</a:t>
+              <a:t>GRU</a:t>
+            </a:r>
+          </a:p>
+          <a:p>
+            <a:pPr marL="342900" indent="-342900" algn="just">
+              <a:lnSpc>
+                <a:spcPts val="3359"/>
+              </a:lnSpc>
+              <a:spcBef>
+                <a:spcPct val="0"/>
+              </a:spcBef>
+              <a:buFontTx/>
+              <a:buChar char="-"/>
+            </a:pPr>
+            <a:r>
+              <a:rPr lang="en-US" sz="2400" dirty="0">
+                <a:solidFill>
+                  <a:srgbClr val="000000"/>
+                </a:solidFill>
+                <a:latin typeface="Inter"/>
+                <a:ea typeface="Inter"/>
+                <a:cs typeface="Inter"/>
+                <a:sym typeface="Inter"/>
+              </a:rPr>
+              <a:t>RNN</a:t>
             </a:r>
           </a:p>
         </p:txBody>

--- a/docs/reports/presentation/slides.pptx
+++ b/docs/reports/presentation/slides.pptx
@@ -17,26 +17,25 @@
     <p:sldId id="274" r:id="rId11"/>
     <p:sldId id="275" r:id="rId12"/>
     <p:sldId id="263" r:id="rId13"/>
-    <p:sldId id="278" r:id="rId14"/>
-    <p:sldId id="276" r:id="rId15"/>
-    <p:sldId id="277" r:id="rId16"/>
-    <p:sldId id="266" r:id="rId17"/>
-    <p:sldId id="268" r:id="rId18"/>
+    <p:sldId id="276" r:id="rId14"/>
+    <p:sldId id="277" r:id="rId15"/>
+    <p:sldId id="266" r:id="rId16"/>
+    <p:sldId id="268" r:id="rId17"/>
   </p:sldIdLst>
   <p:sldSz cx="18288000" cy="10287000"/>
   <p:notesSz cx="6858000" cy="9144000"/>
   <p:embeddedFontLst>
     <p:embeddedFont>
       <p:font typeface="Inter" panose="020B0604020202020204" charset="0"/>
+      <p:regular r:id="rId18"/>
+    </p:embeddedFont>
+    <p:embeddedFont>
+      <p:font typeface="Inter Bold" panose="020B0604020202020204" charset="0"/>
       <p:regular r:id="rId19"/>
     </p:embeddedFont>
     <p:embeddedFont>
-      <p:font typeface="Inter Bold" panose="020B0604020202020204" charset="0"/>
+      <p:font typeface="League Spartan" panose="020B0604020202020204" charset="0"/>
       <p:regular r:id="rId20"/>
-    </p:embeddedFont>
-    <p:embeddedFont>
-      <p:font typeface="League Spartan" panose="020B0604020202020204" charset="0"/>
-      <p:regular r:id="rId21"/>
     </p:embeddedFont>
   </p:embeddedFontLst>
   <p:defaultTextStyle>
@@ -333,7 +332,7 @@
             <a:fld id="{1D8BD707-D9CF-40AE-B4C6-C98DA3205C09}" type="datetimeFigureOut">
               <a:rPr lang="en-US" smtClean="0"/>
               <a:pPr/>
-              <a:t>12/30/2025</a:t>
+              <a:t>12/31/2025</a:t>
             </a:fld>
             <a:endParaRPr lang="en-US"/>
           </a:p>
@@ -498,7 +497,7 @@
             <a:fld id="{1D8BD707-D9CF-40AE-B4C6-C98DA3205C09}" type="datetimeFigureOut">
               <a:rPr lang="en-US" smtClean="0"/>
               <a:pPr/>
-              <a:t>12/30/2025</a:t>
+              <a:t>12/31/2025</a:t>
             </a:fld>
             <a:endParaRPr lang="en-US"/>
           </a:p>
@@ -673,7 +672,7 @@
             <a:fld id="{1D8BD707-D9CF-40AE-B4C6-C98DA3205C09}" type="datetimeFigureOut">
               <a:rPr lang="en-US" smtClean="0"/>
               <a:pPr/>
-              <a:t>12/30/2025</a:t>
+              <a:t>12/31/2025</a:t>
             </a:fld>
             <a:endParaRPr lang="en-US"/>
           </a:p>
@@ -838,7 +837,7 @@
             <a:fld id="{1D8BD707-D9CF-40AE-B4C6-C98DA3205C09}" type="datetimeFigureOut">
               <a:rPr lang="en-US" smtClean="0"/>
               <a:pPr/>
-              <a:t>12/30/2025</a:t>
+              <a:t>12/31/2025</a:t>
             </a:fld>
             <a:endParaRPr lang="en-US"/>
           </a:p>
@@ -1080,7 +1079,7 @@
             <a:fld id="{1D8BD707-D9CF-40AE-B4C6-C98DA3205C09}" type="datetimeFigureOut">
               <a:rPr lang="en-US" smtClean="0"/>
               <a:pPr/>
-              <a:t>12/30/2025</a:t>
+              <a:t>12/31/2025</a:t>
             </a:fld>
             <a:endParaRPr lang="en-US"/>
           </a:p>
@@ -1362,7 +1361,7 @@
             <a:fld id="{1D8BD707-D9CF-40AE-B4C6-C98DA3205C09}" type="datetimeFigureOut">
               <a:rPr lang="en-US" smtClean="0"/>
               <a:pPr/>
-              <a:t>12/30/2025</a:t>
+              <a:t>12/31/2025</a:t>
             </a:fld>
             <a:endParaRPr lang="en-US"/>
           </a:p>
@@ -1778,7 +1777,7 @@
             <a:fld id="{1D8BD707-D9CF-40AE-B4C6-C98DA3205C09}" type="datetimeFigureOut">
               <a:rPr lang="en-US" smtClean="0"/>
               <a:pPr/>
-              <a:t>12/30/2025</a:t>
+              <a:t>12/31/2025</a:t>
             </a:fld>
             <a:endParaRPr lang="en-US"/>
           </a:p>
@@ -1892,7 +1891,7 @@
             <a:fld id="{1D8BD707-D9CF-40AE-B4C6-C98DA3205C09}" type="datetimeFigureOut">
               <a:rPr lang="en-US" smtClean="0"/>
               <a:pPr/>
-              <a:t>12/30/2025</a:t>
+              <a:t>12/31/2025</a:t>
             </a:fld>
             <a:endParaRPr lang="en-US"/>
           </a:p>
@@ -1984,7 +1983,7 @@
             <a:fld id="{1D8BD707-D9CF-40AE-B4C6-C98DA3205C09}" type="datetimeFigureOut">
               <a:rPr lang="en-US" smtClean="0"/>
               <a:pPr/>
-              <a:t>12/30/2025</a:t>
+              <a:t>12/31/2025</a:t>
             </a:fld>
             <a:endParaRPr lang="en-US"/>
           </a:p>
@@ -2256,7 +2255,7 @@
             <a:fld id="{1D8BD707-D9CF-40AE-B4C6-C98DA3205C09}" type="datetimeFigureOut">
               <a:rPr lang="en-US" smtClean="0"/>
               <a:pPr/>
-              <a:t>12/30/2025</a:t>
+              <a:t>12/31/2025</a:t>
             </a:fld>
             <a:endParaRPr lang="en-US"/>
           </a:p>
@@ -2505,7 +2504,7 @@
             <a:fld id="{1D8BD707-D9CF-40AE-B4C6-C98DA3205C09}" type="datetimeFigureOut">
               <a:rPr lang="en-US" smtClean="0"/>
               <a:pPr/>
-              <a:t>12/30/2025</a:t>
+              <a:t>12/31/2025</a:t>
             </a:fld>
             <a:endParaRPr lang="en-US"/>
           </a:p>
@@ -2713,7 +2712,7 @@
             <a:fld id="{1D8BD707-D9CF-40AE-B4C6-C98DA3205C09}" type="datetimeFigureOut">
               <a:rPr lang="en-US" smtClean="0"/>
               <a:pPr/>
-              <a:t>12/30/2025</a:t>
+              <a:t>12/31/2025</a:t>
             </a:fld>
             <a:endParaRPr lang="en-US"/>
           </a:p>
@@ -3692,6 +3691,142 @@
           </a:p>
         </p:txBody>
       </p:sp>
+      <p:pic>
+        <p:nvPicPr>
+          <p:cNvPr id="18" name="Grafik 17" descr="Ein Bild, das Text, Logo, Grafiken, Schrift enthält.&#10;&#10;KI-generierte Inhalte können fehlerhaft sein.">
+            <a:extLst>
+              <a:ext uri="{FF2B5EF4-FFF2-40B4-BE49-F238E27FC236}">
+                <a16:creationId xmlns:a16="http://schemas.microsoft.com/office/drawing/2014/main" id="{4DA12F01-72ED-5083-B450-653DFA802F9A}"/>
+              </a:ext>
+            </a:extLst>
+          </p:cNvPr>
+          <p:cNvPicPr>
+            <a:picLocks noChangeAspect="1"/>
+          </p:cNvPicPr>
+          <p:nvPr/>
+        </p:nvPicPr>
+        <p:blipFill>
+          <a:blip r:embed="rId5" cstate="print">
+            <a:extLst>
+              <a:ext uri="{BEBA8EAE-BF5A-486C-A8C5-ECC9F3942E4B}">
+                <a14:imgProps xmlns:a14="http://schemas.microsoft.com/office/drawing/2010/main">
+                  <a14:imgLayer r:embed="rId6">
+                    <a14:imgEffect>
+                      <a14:backgroundRemoval t="8105" b="90820" l="9961" r="89844">
+                        <a14:foregroundMark x1="40820" y1="28711" x2="40820" y2="28711"/>
+                        <a14:foregroundMark x1="39258" y1="17285" x2="39258" y2="17285"/>
+                        <a14:foregroundMark x1="53936" y1="8989" x2="58368" y2="8391"/>
+                        <a14:foregroundMark x1="38965" y1="15332" x2="39160" y2="18652"/>
+                        <a14:foregroundMark x1="30664" y1="19043" x2="33496" y2="21387"/>
+                        <a14:foregroundMark x1="27441" y1="26953" x2="31250" y2="26855"/>
+                        <a14:foregroundMark x1="39160" y1="34863" x2="39355" y2="37402"/>
+                        <a14:foregroundMark x1="44824" y1="33203" x2="47144" y2="33821"/>
+                        <a14:foregroundMark x1="47754" y1="26855" x2="50879" y2="26367"/>
+                        <a14:foregroundMark x1="32715" y1="33789" x2="32129" y2="35059"/>
+                        <a14:foregroundMark x1="44922" y1="20313" x2="46191" y2="19824"/>
+                        <a14:foregroundMark x1="68066" y1="33594" x2="67578" y2="55469"/>
+                        <a14:foregroundMark x1="26465" y1="52637" x2="26563" y2="60156"/>
+                        <a14:foregroundMark x1="34082" y1="48438" x2="33984" y2="58887"/>
+                        <a14:foregroundMark x1="42676" y1="55078" x2="42773" y2="61035"/>
+                        <a14:foregroundMark x1="50195" y1="49609" x2="50195" y2="57227"/>
+                        <a14:foregroundMark x1="59277" y1="56738" x2="60059" y2="63086"/>
+                        <a14:foregroundMark x1="66016" y1="60449" x2="66797" y2="64160"/>
+                        <a14:foregroundMark x1="15709" y1="79297" x2="15625" y2="80176"/>
+                        <a14:foregroundMark x1="15820" y1="78125" x2="15709" y2="79297"/>
+                        <a14:foregroundMark x1="23903" y1="79102" x2="24023" y2="80664"/>
+                        <a14:foregroundMark x1="23828" y1="78125" x2="23903" y2="79102"/>
+                        <a14:foregroundMark x1="32324" y1="78125" x2="31055" y2="80371"/>
+                        <a14:foregroundMark x1="40540" y1="79980" x2="40332" y2="80566"/>
+                        <a14:foregroundMark x1="41406" y1="77539" x2="40540" y2="79980"/>
+                        <a14:foregroundMark x1="48828" y1="77246" x2="48828" y2="80566"/>
+                        <a14:foregroundMark x1="57910" y1="77246" x2="57227" y2="78125"/>
+                        <a14:foregroundMark x1="65723" y1="77344" x2="64258" y2="79590"/>
+                        <a14:foregroundMark x1="73730" y1="79004" x2="74414" y2="82129"/>
+                        <a14:foregroundMark x1="81641" y1="77148" x2="81934" y2="79883"/>
+                        <a14:foregroundMark x1="20898" y1="88184" x2="20898" y2="88184"/>
+                        <a14:foregroundMark x1="25586" y1="87793" x2="25586" y2="87793"/>
+                        <a14:foregroundMark x1="29590" y1="87793" x2="29590" y2="87793"/>
+                        <a14:foregroundMark x1="33301" y1="88086" x2="33301" y2="88086"/>
+                        <a14:foregroundMark x1="37500" y1="88184" x2="37500" y2="88184"/>
+                        <a14:foregroundMark x1="16895" y1="88477" x2="16895" y2="88477"/>
+                        <a14:foregroundMark x1="18164" y1="90820" x2="18164" y2="90820"/>
+                        <a14:foregroundMark x1="16699" y1="89063" x2="16699" y2="89063"/>
+                        <a14:foregroundMark x1="18652" y1="87500" x2="18652" y2="87500"/>
+                        <a14:foregroundMark x1="17285" y1="87793" x2="17285" y2="87793"/>
+                        <a14:foregroundMark x1="40527" y1="87500" x2="40527" y2="87500"/>
+                        <a14:foregroundMark x1="43164" y1="88086" x2="43164" y2="88086"/>
+                        <a14:foregroundMark x1="45605" y1="88184" x2="45605" y2="88184"/>
+                        <a14:foregroundMark x1="49512" y1="88965" x2="49512" y2="88965"/>
+                        <a14:foregroundMark x1="55469" y1="88965" x2="55469" y2="88965"/>
+                        <a14:foregroundMark x1="59863" y1="88770" x2="59863" y2="88770"/>
+                        <a14:foregroundMark x1="64746" y1="87988" x2="64746" y2="87988"/>
+                        <a14:foregroundMark x1="69531" y1="88574" x2="69531" y2="88574"/>
+                        <a14:foregroundMark x1="73145" y1="88770" x2="73145" y2="88770"/>
+                        <a14:foregroundMark x1="76855" y1="88379" x2="76855" y2="88379"/>
+                        <a14:foregroundMark x1="81348" y1="88281" x2="81348" y2="88281"/>
+                        <a14:foregroundMark x1="25391" y1="90332" x2="25391" y2="90332"/>
+                        <a14:foregroundMark x1="81738" y1="88379" x2="81738" y2="88379"/>
+                        <a14:foregroundMark x1="81543" y1="88184" x2="81543" y2="88184"/>
+                        <a14:foregroundMark x1="81738" y1="89160" x2="81738" y2="89160"/>
+                        <a14:backgroundMark x1="39551" y1="11230" x2="50293" y2="10059"/>
+                        <a14:backgroundMark x1="51953" y1="9668" x2="51953" y2="9668"/>
+                        <a14:backgroundMark x1="50684" y1="9375" x2="52441" y2="9668"/>
+                        <a14:backgroundMark x1="38672" y1="11230" x2="40039" y2="10938"/>
+                        <a14:backgroundMark x1="52344" y1="9570" x2="53711" y2="9375"/>
+                        <a14:backgroundMark x1="58887" y1="7715" x2="63184" y2="8887"/>
+                        <a14:backgroundMark x1="48438" y1="17285" x2="48242" y2="18164"/>
+                        <a14:backgroundMark x1="47656" y1="17773" x2="48535" y2="19043"/>
+                        <a14:backgroundMark x1="33691" y1="31738" x2="34570" y2="33008"/>
+                        <a14:backgroundMark x1="47559" y1="33496" x2="48535" y2="34473"/>
+                        <a14:backgroundMark x1="86230" y1="12695" x2="86621" y2="18066"/>
+                        <a14:backgroundMark x1="86621" y1="18066" x2="86133" y2="17188"/>
+                        <a14:backgroundMark x1="86035" y1="15332" x2="86523" y2="20508"/>
+                        <a14:backgroundMark x1="86523" y1="20508" x2="86230" y2="22363"/>
+                        <a14:backgroundMark x1="17676" y1="79297" x2="17676" y2="79297"/>
+                        <a14:backgroundMark x1="18359" y1="81934" x2="18359" y2="81934"/>
+                        <a14:backgroundMark x1="25098" y1="79102" x2="25098" y2="79102"/>
+                        <a14:backgroundMark x1="42383" y1="79980" x2="42383" y2="79980"/>
+                        <a14:backgroundMark x1="22656" y1="89746" x2="22656" y2="89746"/>
+                        <a14:backgroundMark x1="41504" y1="86328" x2="40332" y2="86914"/>
+                        <a14:backgroundMark x1="40137" y1="87012" x2="41602" y2="87305"/>
+                        <a14:backgroundMark x1="17409" y1="89063" x2="17285" y2="89746"/>
+                        <a14:backgroundMark x1="17480" y1="88672" x2="17409" y2="89063"/>
+                        <a14:backgroundMark x1="60449" y1="89258" x2="60449" y2="89258"/>
+                        <a14:backgroundMark x1="70605" y1="88672" x2="70605" y2="88672"/>
+                        <a14:backgroundMark x1="73926" y1="89355" x2="73926" y2="89355"/>
+                        <a14:backgroundMark x1="25879" y1="89551" x2="25879" y2="89551"/>
+                        <a14:backgroundMark x1="25781" y1="89551" x2="25781" y2="89551"/>
+                        <a14:backgroundMark x1="81445" y1="87988" x2="81445" y2="87988"/>
+                        <a14:backgroundMark x1="81348" y1="88086" x2="81348" y2="88086"/>
+                        <a14:backgroundMark x1="81836" y1="88281" x2="81836" y2="88281"/>
+                        <a14:backgroundMark x1="81738" y1="88379" x2="81738" y2="88379"/>
+                        <a14:backgroundMark x1="81445" y1="88184" x2="81445" y2="88184"/>
+                        <a14:backgroundMark x1="81543" y1="88281" x2="81543" y2="88281"/>
+                        <a14:backgroundMark x1="81641" y1="88184" x2="81641" y2="88184"/>
+                      </a14:backgroundRemoval>
+                    </a14:imgEffect>
+                  </a14:imgLayer>
+                </a14:imgProps>
+              </a:ext>
+              <a:ext uri="{28A0092B-C50C-407E-A947-70E740481C1C}">
+                <a14:useLocalDpi xmlns:a14="http://schemas.microsoft.com/office/drawing/2010/main" val="0"/>
+              </a:ext>
+            </a:extLst>
+          </a:blip>
+          <a:stretch>
+            <a:fillRect/>
+          </a:stretch>
+        </p:blipFill>
+        <p:spPr>
+          <a:xfrm>
+            <a:off x="4494982" y="2200530"/>
+            <a:ext cx="2799839" cy="2799839"/>
+          </a:xfrm>
+          <a:prstGeom prst="rect">
+            <a:avLst/>
+          </a:prstGeom>
+        </p:spPr>
+      </p:pic>
     </p:spTree>
   </p:cSld>
   <p:clrMapOvr>
@@ -5848,10 +5983,10 @@
       </p:sp>
       <p:pic>
         <p:nvPicPr>
-          <p:cNvPr id="9" name="Grafik 8" descr="Ein Bild, das Text, Screenshot, Reihe, Diagramm enthält.&#10;&#10;KI-generierte Inhalte können fehlerhaft sein.">
+          <p:cNvPr id="4" name="Grafik 3" descr="Ein Bild, das Text, Screenshot, Reihe, Diagramm enthält.&#10;&#10;KI-generierte Inhalte können fehlerhaft sein.">
             <a:extLst>
               <a:ext uri="{FF2B5EF4-FFF2-40B4-BE49-F238E27FC236}">
-                <a16:creationId xmlns:a16="http://schemas.microsoft.com/office/drawing/2014/main" id="{47476B81-70AC-9D1C-64C4-E66AB2B3146B}"/>
+                <a16:creationId xmlns:a16="http://schemas.microsoft.com/office/drawing/2014/main" id="{5EBCBC4C-496D-9771-B30C-862427E560CF}"/>
               </a:ext>
             </a:extLst>
           </p:cNvPr>
@@ -5874,8 +6009,8 @@
         </p:blipFill>
         <p:spPr>
           <a:xfrm>
-            <a:off x="519193" y="2961853"/>
-            <a:ext cx="17249614" cy="6400800"/>
+            <a:off x="660647" y="3009900"/>
+            <a:ext cx="16838886" cy="6248391"/>
           </a:xfrm>
           <a:prstGeom prst="rect">
             <a:avLst/>
@@ -6200,10 +6335,10 @@
       </p:sp>
       <p:pic>
         <p:nvPicPr>
-          <p:cNvPr id="4" name="Grafik 3" descr="Ein Bild, das Text, Screenshot, Diagramm, Reihe enthält.&#10;&#10;KI-generierte Inhalte können fehlerhaft sein.">
+          <p:cNvPr id="9" name="Grafik 8" descr="Ein Bild, das Text, Screenshot, Diagramm, Reihe enthält.&#10;&#10;KI-generierte Inhalte können fehlerhaft sein.">
             <a:extLst>
               <a:ext uri="{FF2B5EF4-FFF2-40B4-BE49-F238E27FC236}">
-                <a16:creationId xmlns:a16="http://schemas.microsoft.com/office/drawing/2014/main" id="{885634B0-E336-3F4D-F1B3-38DE8429FB0E}"/>
+                <a16:creationId xmlns:a16="http://schemas.microsoft.com/office/drawing/2014/main" id="{4BC6962F-3BCD-9548-17B4-9B786CC7369D}"/>
               </a:ext>
             </a:extLst>
           </p:cNvPr>
@@ -6226,8 +6361,8 @@
         </p:blipFill>
         <p:spPr>
           <a:xfrm>
-            <a:off x="205587" y="2705100"/>
-            <a:ext cx="15069002" cy="6400800"/>
+            <a:off x="533398" y="2933700"/>
+            <a:ext cx="14351431" cy="6096000"/>
           </a:xfrm>
           <a:prstGeom prst="rect">
             <a:avLst/>
@@ -6466,616 +6601,6 @@
         <p:cNvPr id="1" name="">
           <a:extLst>
             <a:ext uri="{FF2B5EF4-FFF2-40B4-BE49-F238E27FC236}">
-              <a16:creationId xmlns:a16="http://schemas.microsoft.com/office/drawing/2014/main" id="{5FE4CDCB-FA8E-218D-0D84-D09C0E95F8AC}"/>
-            </a:ext>
-          </a:extLst>
-        </p:cNvPr>
-        <p:cNvGrpSpPr/>
-        <p:nvPr/>
-      </p:nvGrpSpPr>
-      <p:grpSpPr>
-        <a:xfrm>
-          <a:off x="0" y="0"/>
-          <a:ext cx="0" cy="0"/>
-          <a:chOff x="0" y="0"/>
-          <a:chExt cx="0" cy="0"/>
-        </a:xfrm>
-      </p:grpSpPr>
-      <p:sp>
-        <p:nvSpPr>
-          <p:cNvPr id="2" name="Freeform 2">
-            <a:extLst>
-              <a:ext uri="{FF2B5EF4-FFF2-40B4-BE49-F238E27FC236}">
-                <a16:creationId xmlns:a16="http://schemas.microsoft.com/office/drawing/2014/main" id="{96A52099-4262-D7A2-35A5-1928B6468F45}"/>
-              </a:ext>
-            </a:extLst>
-          </p:cNvPr>
-          <p:cNvSpPr/>
-          <p:nvPr/>
-        </p:nvSpPr>
-        <p:spPr>
-          <a:xfrm rot="5400000">
-            <a:off x="6627029" y="1470898"/>
-            <a:ext cx="455966" cy="1203911"/>
-          </a:xfrm>
-          <a:custGeom>
-            <a:avLst/>
-            <a:gdLst/>
-            <a:ahLst/>
-            <a:cxnLst/>
-            <a:rect l="l" t="t" r="r" b="b"/>
-            <a:pathLst>
-              <a:path w="455966" h="1203911">
-                <a:moveTo>
-                  <a:pt x="0" y="0"/>
-                </a:moveTo>
-                <a:lnTo>
-                  <a:pt x="455966" y="0"/>
-                </a:lnTo>
-                <a:lnTo>
-                  <a:pt x="455966" y="1203910"/>
-                </a:lnTo>
-                <a:lnTo>
-                  <a:pt x="0" y="1203910"/>
-                </a:lnTo>
-                <a:lnTo>
-                  <a:pt x="0" y="0"/>
-                </a:lnTo>
-                <a:close/>
-              </a:path>
-            </a:pathLst>
-          </a:custGeom>
-          <a:blipFill>
-            <a:blip r:embed="rId2">
-              <a:extLst>
-                <a:ext uri="{96DAC541-7B7A-43D3-8B79-37D633B846F1}">
-                  <asvg:svgBlip xmlns:asvg="http://schemas.microsoft.com/office/drawing/2016/SVG/main" r:embed="rId3"/>
-                </a:ext>
-              </a:extLst>
-            </a:blip>
-            <a:stretch>
-              <a:fillRect/>
-            </a:stretch>
-          </a:blipFill>
-        </p:spPr>
-        <p:txBody>
-          <a:bodyPr/>
-          <a:lstStyle/>
-          <a:p>
-            <a:endParaRPr lang="de-AT"/>
-          </a:p>
-        </p:txBody>
-      </p:sp>
-      <p:sp>
-        <p:nvSpPr>
-          <p:cNvPr id="5" name="AutoShape 5">
-            <a:extLst>
-              <a:ext uri="{FF2B5EF4-FFF2-40B4-BE49-F238E27FC236}">
-                <a16:creationId xmlns:a16="http://schemas.microsoft.com/office/drawing/2014/main" id="{88656848-0A17-3BD8-6611-6C4CA370AE1B}"/>
-              </a:ext>
-            </a:extLst>
-          </p:cNvPr>
-          <p:cNvSpPr/>
-          <p:nvPr/>
-        </p:nvSpPr>
-        <p:spPr>
-          <a:xfrm>
-            <a:off x="17675977" y="961707"/>
-            <a:ext cx="3956611" cy="0"/>
-          </a:xfrm>
-          <a:prstGeom prst="line">
-            <a:avLst/>
-          </a:prstGeom>
-          <a:ln w="38100" cap="flat">
-            <a:solidFill>
-              <a:srgbClr val="2B485F"/>
-            </a:solidFill>
-            <a:prstDash val="solid"/>
-            <a:headEnd type="none" w="sm" len="sm"/>
-            <a:tailEnd type="none" w="sm" len="sm"/>
-          </a:ln>
-        </p:spPr>
-        <p:txBody>
-          <a:bodyPr/>
-          <a:lstStyle/>
-          <a:p>
-            <a:endParaRPr lang="de-AT"/>
-          </a:p>
-        </p:txBody>
-      </p:sp>
-      <p:grpSp>
-        <p:nvGrpSpPr>
-          <p:cNvPr id="6" name="Group 6">
-            <a:extLst>
-              <a:ext uri="{FF2B5EF4-FFF2-40B4-BE49-F238E27FC236}">
-                <a16:creationId xmlns:a16="http://schemas.microsoft.com/office/drawing/2014/main" id="{C2257690-3DC3-6382-DCE2-8760EB6AA6A9}"/>
-              </a:ext>
-            </a:extLst>
-          </p:cNvPr>
-          <p:cNvGrpSpPr/>
-          <p:nvPr/>
-        </p:nvGrpSpPr>
-        <p:grpSpPr>
-          <a:xfrm>
-            <a:off x="-1197824" y="495300"/>
-            <a:ext cx="7484172" cy="1577554"/>
-            <a:chOff x="0" y="0"/>
-            <a:chExt cx="2418659" cy="653141"/>
-          </a:xfrm>
-        </p:grpSpPr>
-        <p:sp>
-          <p:nvSpPr>
-            <p:cNvPr id="7" name="Freeform 7">
-              <a:extLst>
-                <a:ext uri="{FF2B5EF4-FFF2-40B4-BE49-F238E27FC236}">
-                  <a16:creationId xmlns:a16="http://schemas.microsoft.com/office/drawing/2014/main" id="{0CE1098A-8ADB-675E-1358-38AD95581E3E}"/>
-                </a:ext>
-              </a:extLst>
-            </p:cNvPr>
-            <p:cNvSpPr/>
-            <p:nvPr/>
-          </p:nvSpPr>
-          <p:spPr>
-            <a:xfrm>
-              <a:off x="0" y="0"/>
-              <a:ext cx="2418659" cy="653141"/>
-            </a:xfrm>
-            <a:custGeom>
-              <a:avLst/>
-              <a:gdLst/>
-              <a:ahLst/>
-              <a:cxnLst/>
-              <a:rect l="l" t="t" r="r" b="b"/>
-              <a:pathLst>
-                <a:path w="2418659" h="653141">
-                  <a:moveTo>
-                    <a:pt x="2215459" y="0"/>
-                  </a:moveTo>
-                  <a:lnTo>
-                    <a:pt x="0" y="0"/>
-                  </a:lnTo>
-                  <a:lnTo>
-                    <a:pt x="0" y="653141"/>
-                  </a:lnTo>
-                  <a:lnTo>
-                    <a:pt x="2215459" y="653141"/>
-                  </a:lnTo>
-                  <a:lnTo>
-                    <a:pt x="2418659" y="326570"/>
-                  </a:lnTo>
-                  <a:lnTo>
-                    <a:pt x="2215459" y="0"/>
-                  </a:lnTo>
-                  <a:close/>
-                </a:path>
-              </a:pathLst>
-            </a:custGeom>
-            <a:solidFill>
-              <a:srgbClr val="2B485F"/>
-            </a:solidFill>
-          </p:spPr>
-          <p:txBody>
-            <a:bodyPr/>
-            <a:lstStyle/>
-            <a:p>
-              <a:endParaRPr lang="de-AT"/>
-            </a:p>
-          </p:txBody>
-        </p:sp>
-        <p:sp>
-          <p:nvSpPr>
-            <p:cNvPr id="8" name="TextBox 8">
-              <a:extLst>
-                <a:ext uri="{FF2B5EF4-FFF2-40B4-BE49-F238E27FC236}">
-                  <a16:creationId xmlns:a16="http://schemas.microsoft.com/office/drawing/2014/main" id="{FC862335-CA23-66B3-9B55-434878F24D0A}"/>
-                </a:ext>
-              </a:extLst>
-            </p:cNvPr>
-            <p:cNvSpPr txBox="1"/>
-            <p:nvPr/>
-          </p:nvSpPr>
-          <p:spPr>
-            <a:xfrm>
-              <a:off x="0" y="-38100"/>
-              <a:ext cx="2304359" cy="691241"/>
-            </a:xfrm>
-            <a:prstGeom prst="rect">
-              <a:avLst/>
-            </a:prstGeom>
-          </p:spPr>
-          <p:txBody>
-            <a:bodyPr lIns="50800" tIns="50800" rIns="50800" bIns="50800" rtlCol="0" anchor="ctr"/>
-            <a:lstStyle/>
-            <a:p>
-              <a:pPr algn="ctr">
-                <a:lnSpc>
-                  <a:spcPts val="2659"/>
-                </a:lnSpc>
-              </a:pPr>
-              <a:endParaRPr/>
-            </a:p>
-          </p:txBody>
-        </p:sp>
-      </p:grpSp>
-      <p:sp>
-        <p:nvSpPr>
-          <p:cNvPr id="10" name="TextBox 10">
-            <a:extLst>
-              <a:ext uri="{FF2B5EF4-FFF2-40B4-BE49-F238E27FC236}">
-                <a16:creationId xmlns:a16="http://schemas.microsoft.com/office/drawing/2014/main" id="{C24D2DA3-E274-E6A3-07E8-C7818E203702}"/>
-              </a:ext>
-            </a:extLst>
-          </p:cNvPr>
-          <p:cNvSpPr txBox="1"/>
-          <p:nvPr/>
-        </p:nvSpPr>
-        <p:spPr>
-          <a:xfrm>
-            <a:off x="12695334" y="715962"/>
-            <a:ext cx="4563966" cy="835422"/>
-          </a:xfrm>
-          <a:prstGeom prst="rect">
-            <a:avLst/>
-          </a:prstGeom>
-        </p:spPr>
-        <p:txBody>
-          <a:bodyPr lIns="0" tIns="0" rIns="0" bIns="0" rtlCol="0" anchor="t">
-            <a:spAutoFit/>
-          </a:bodyPr>
-          <a:lstStyle/>
-          <a:p>
-            <a:pPr algn="r">
-              <a:lnSpc>
-                <a:spcPts val="3360"/>
-              </a:lnSpc>
-              <a:spcBef>
-                <a:spcPct val="0"/>
-              </a:spcBef>
-            </a:pPr>
-            <a:r>
-              <a:rPr lang="en-US" sz="2400" b="1" dirty="0" err="1">
-                <a:solidFill>
-                  <a:srgbClr val="2B485F"/>
-                </a:solidFill>
-                <a:latin typeface="Inter Bold"/>
-                <a:ea typeface="Inter Bold"/>
-                <a:cs typeface="Inter Bold"/>
-                <a:sym typeface="Inter Bold"/>
-              </a:rPr>
-              <a:t>Broadsoft</a:t>
-            </a:r>
-            <a:r>
-              <a:rPr lang="en-US" sz="2400" b="1" dirty="0">
-                <a:solidFill>
-                  <a:srgbClr val="2B485F"/>
-                </a:solidFill>
-                <a:latin typeface="Inter Bold"/>
-                <a:ea typeface="Inter Bold"/>
-                <a:cs typeface="Inter Bold"/>
-                <a:sym typeface="Inter Bold"/>
-              </a:rPr>
-              <a:t> Consulting Company</a:t>
-            </a:r>
-          </a:p>
-        </p:txBody>
-      </p:sp>
-      <p:pic>
-        <p:nvPicPr>
-          <p:cNvPr id="9" name="Grafik 8" descr="Ein Bild, das Text, Screenshot, Diagramm, Reihe enthält.&#10;&#10;KI-generierte Inhalte können fehlerhaft sein.">
-            <a:extLst>
-              <a:ext uri="{FF2B5EF4-FFF2-40B4-BE49-F238E27FC236}">
-                <a16:creationId xmlns:a16="http://schemas.microsoft.com/office/drawing/2014/main" id="{35E17AD3-662F-7CF8-66D2-720FA97809E7}"/>
-              </a:ext>
-            </a:extLst>
-          </p:cNvPr>
-          <p:cNvPicPr>
-            <a:picLocks noChangeAspect="1"/>
-          </p:cNvPicPr>
-          <p:nvPr/>
-        </p:nvPicPr>
-        <p:blipFill>
-          <a:blip r:embed="rId4">
-            <a:extLst>
-              <a:ext uri="{28A0092B-C50C-407E-A947-70E740481C1C}">
-                <a14:useLocalDpi xmlns:a14="http://schemas.microsoft.com/office/drawing/2010/main" val="0"/>
-              </a:ext>
-            </a:extLst>
-          </a:blip>
-          <a:stretch>
-            <a:fillRect/>
-          </a:stretch>
-        </p:blipFill>
-        <p:spPr>
-          <a:xfrm>
-            <a:off x="335659" y="2781300"/>
-            <a:ext cx="14874875" cy="6318342"/>
-          </a:xfrm>
-          <a:prstGeom prst="rect">
-            <a:avLst/>
-          </a:prstGeom>
-        </p:spPr>
-      </p:pic>
-      <p:sp>
-        <p:nvSpPr>
-          <p:cNvPr id="11" name="TextBox 11">
-            <a:extLst>
-              <a:ext uri="{FF2B5EF4-FFF2-40B4-BE49-F238E27FC236}">
-                <a16:creationId xmlns:a16="http://schemas.microsoft.com/office/drawing/2014/main" id="{A44C8B78-09F8-5996-29F1-AC434435FAB2}"/>
-              </a:ext>
-            </a:extLst>
-          </p:cNvPr>
-          <p:cNvSpPr txBox="1"/>
-          <p:nvPr/>
-        </p:nvSpPr>
-        <p:spPr>
-          <a:xfrm>
-            <a:off x="685800" y="826259"/>
-            <a:ext cx="7484172" cy="915635"/>
-          </a:xfrm>
-          <a:prstGeom prst="rect">
-            <a:avLst/>
-          </a:prstGeom>
-        </p:spPr>
-        <p:txBody>
-          <a:bodyPr lIns="0" tIns="0" rIns="0" bIns="0" rtlCol="0" anchor="t">
-            <a:spAutoFit/>
-          </a:bodyPr>
-          <a:lstStyle/>
-          <a:p>
-            <a:pPr algn="l">
-              <a:lnSpc>
-                <a:spcPts val="7420"/>
-              </a:lnSpc>
-              <a:spcBef>
-                <a:spcPct val="0"/>
-              </a:spcBef>
-            </a:pPr>
-            <a:r>
-              <a:rPr lang="en-US" sz="5300" dirty="0">
-                <a:solidFill>
-                  <a:srgbClr val="FFFFFF"/>
-                </a:solidFill>
-                <a:latin typeface="League Spartan"/>
-                <a:ea typeface="League Spartan"/>
-                <a:cs typeface="League Spartan"/>
-                <a:sym typeface="League Spartan"/>
-              </a:rPr>
-              <a:t>Val</a:t>
-            </a:r>
-          </a:p>
-        </p:txBody>
-      </p:sp>
-      <p:graphicFrame>
-        <p:nvGraphicFramePr>
-          <p:cNvPr id="16" name="Tabelle 15">
-            <a:extLst>
-              <a:ext uri="{FF2B5EF4-FFF2-40B4-BE49-F238E27FC236}">
-                <a16:creationId xmlns:a16="http://schemas.microsoft.com/office/drawing/2014/main" id="{750A7A28-BF96-E296-E590-B36C7F2DC3C2}"/>
-              </a:ext>
-            </a:extLst>
-          </p:cNvPr>
-          <p:cNvGraphicFramePr>
-            <a:graphicFrameLocks noGrp="1"/>
-          </p:cNvGraphicFramePr>
-          <p:nvPr/>
-        </p:nvGraphicFramePr>
-        <p:xfrm>
-          <a:off x="12344400" y="6286500"/>
-          <a:ext cx="4677928" cy="2082800"/>
-        </p:xfrm>
-        <a:graphic>
-          <a:graphicData uri="http://schemas.openxmlformats.org/drawingml/2006/table">
-            <a:tbl>
-              <a:tblPr firstRow="1" bandRow="1">
-                <a:tableStyleId>{00A15C55-8517-42AA-B614-E9B94910E393}</a:tableStyleId>
-              </a:tblPr>
-              <a:tblGrid>
-                <a:gridCol w="2338964">
-                  <a:extLst>
-                    <a:ext uri="{9D8B030D-6E8A-4147-A177-3AD203B41FA5}">
-                      <a16:colId xmlns:a16="http://schemas.microsoft.com/office/drawing/2014/main" val="2197298121"/>
-                    </a:ext>
-                  </a:extLst>
-                </a:gridCol>
-                <a:gridCol w="2338964">
-                  <a:extLst>
-                    <a:ext uri="{9D8B030D-6E8A-4147-A177-3AD203B41FA5}">
-                      <a16:colId xmlns:a16="http://schemas.microsoft.com/office/drawing/2014/main" val="4140210806"/>
-                    </a:ext>
-                  </a:extLst>
-                </a:gridCol>
-              </a:tblGrid>
-              <a:tr h="416560">
-                <a:tc>
-                  <a:txBody>
-                    <a:bodyPr/>
-                    <a:lstStyle/>
-                    <a:p>
-                      <a:r>
-                        <a:rPr lang="de-AT" dirty="0"/>
-                        <a:t>Family</a:t>
-                      </a:r>
-                    </a:p>
-                  </a:txBody>
-                  <a:tcPr/>
-                </a:tc>
-                <a:tc>
-                  <a:txBody>
-                    <a:bodyPr/>
-                    <a:lstStyle/>
-                    <a:p>
-                      <a:r>
-                        <a:rPr lang="de-AT" dirty="0"/>
-                        <a:t>MAE</a:t>
-                      </a:r>
-                    </a:p>
-                  </a:txBody>
-                  <a:tcPr/>
-                </a:tc>
-                <a:extLst>
-                  <a:ext uri="{0D108BD9-81ED-4DB2-BD59-A6C34878D82A}">
-                    <a16:rowId xmlns:a16="http://schemas.microsoft.com/office/drawing/2014/main" val="2435929237"/>
-                  </a:ext>
-                </a:extLst>
-              </a:tr>
-              <a:tr h="416560">
-                <a:tc>
-                  <a:txBody>
-                    <a:bodyPr/>
-                    <a:lstStyle/>
-                    <a:p>
-                      <a:r>
-                        <a:rPr lang="de-AT" dirty="0"/>
-                        <a:t>Baseline</a:t>
-                      </a:r>
-                    </a:p>
-                  </a:txBody>
-                  <a:tcPr/>
-                </a:tc>
-                <a:tc>
-                  <a:txBody>
-                    <a:bodyPr/>
-                    <a:lstStyle/>
-                    <a:p>
-                      <a:r>
-                        <a:rPr lang="de-AT" dirty="0"/>
-                        <a:t>5.1999</a:t>
-                      </a:r>
-                    </a:p>
-                  </a:txBody>
-                  <a:tcPr/>
-                </a:tc>
-                <a:extLst>
-                  <a:ext uri="{0D108BD9-81ED-4DB2-BD59-A6C34878D82A}">
-                    <a16:rowId xmlns:a16="http://schemas.microsoft.com/office/drawing/2014/main" val="2413994937"/>
-                  </a:ext>
-                </a:extLst>
-              </a:tr>
-              <a:tr h="416560">
-                <a:tc>
-                  <a:txBody>
-                    <a:bodyPr/>
-                    <a:lstStyle/>
-                    <a:p>
-                      <a:r>
-                        <a:rPr lang="de-AT" dirty="0"/>
-                        <a:t>Statistical</a:t>
-                      </a:r>
-                    </a:p>
-                  </a:txBody>
-                  <a:tcPr/>
-                </a:tc>
-                <a:tc>
-                  <a:txBody>
-                    <a:bodyPr/>
-                    <a:lstStyle/>
-                    <a:p>
-                      <a:r>
-                        <a:rPr lang="de-AT" dirty="0"/>
-                        <a:t>8.5890</a:t>
-                      </a:r>
-                    </a:p>
-                  </a:txBody>
-                  <a:tcPr/>
-                </a:tc>
-                <a:extLst>
-                  <a:ext uri="{0D108BD9-81ED-4DB2-BD59-A6C34878D82A}">
-                    <a16:rowId xmlns:a16="http://schemas.microsoft.com/office/drawing/2014/main" val="2625751916"/>
-                  </a:ext>
-                </a:extLst>
-              </a:tr>
-              <a:tr h="416560">
-                <a:tc>
-                  <a:txBody>
-                    <a:bodyPr/>
-                    <a:lstStyle/>
-                    <a:p>
-                      <a:r>
-                        <a:rPr lang="de-AT" dirty="0"/>
-                        <a:t>ML</a:t>
-                      </a:r>
-                    </a:p>
-                  </a:txBody>
-                  <a:tcPr/>
-                </a:tc>
-                <a:tc>
-                  <a:txBody>
-                    <a:bodyPr/>
-                    <a:lstStyle/>
-                    <a:p>
-                      <a:r>
-                        <a:rPr lang="de-AT" dirty="0"/>
-                        <a:t>4.2710</a:t>
-                      </a:r>
-                    </a:p>
-                  </a:txBody>
-                  <a:tcPr/>
-                </a:tc>
-                <a:extLst>
-                  <a:ext uri="{0D108BD9-81ED-4DB2-BD59-A6C34878D82A}">
-                    <a16:rowId xmlns:a16="http://schemas.microsoft.com/office/drawing/2014/main" val="710528991"/>
-                  </a:ext>
-                </a:extLst>
-              </a:tr>
-              <a:tr h="416560">
-                <a:tc>
-                  <a:txBody>
-                    <a:bodyPr/>
-                    <a:lstStyle/>
-                    <a:p>
-                      <a:r>
-                        <a:rPr lang="de-AT" dirty="0" err="1"/>
-                        <a:t>Neural</a:t>
-                      </a:r>
-                      <a:endParaRPr lang="de-AT" dirty="0"/>
-                    </a:p>
-                  </a:txBody>
-                  <a:tcPr/>
-                </a:tc>
-                <a:tc>
-                  <a:txBody>
-                    <a:bodyPr/>
-                    <a:lstStyle/>
-                    <a:p>
-                      <a:r>
-                        <a:rPr lang="de-AT" dirty="0"/>
-                        <a:t>3.6032</a:t>
-                      </a:r>
-                    </a:p>
-                  </a:txBody>
-                  <a:tcPr/>
-                </a:tc>
-                <a:extLst>
-                  <a:ext uri="{0D108BD9-81ED-4DB2-BD59-A6C34878D82A}">
-                    <a16:rowId xmlns:a16="http://schemas.microsoft.com/office/drawing/2014/main" val="2223040032"/>
-                  </a:ext>
-                </a:extLst>
-              </a:tr>
-            </a:tbl>
-          </a:graphicData>
-        </a:graphic>
-      </p:graphicFrame>
-    </p:spTree>
-    <p:extLst>
-      <p:ext uri="{BB962C8B-B14F-4D97-AF65-F5344CB8AC3E}">
-        <p14:creationId xmlns:p14="http://schemas.microsoft.com/office/powerpoint/2010/main" val="948742541"/>
-      </p:ext>
-    </p:extLst>
-  </p:cSld>
-  <p:clrMapOvr>
-    <a:masterClrMapping/>
-  </p:clrMapOvr>
-</p:sld>
-</file>
-
-<file path=ppt/slides/slide14.xml><?xml version="1.0" encoding="utf-8"?>
-<p:sld xmlns:a="http://schemas.openxmlformats.org/drawingml/2006/main" xmlns:r="http://schemas.openxmlformats.org/officeDocument/2006/relationships" xmlns:p="http://schemas.openxmlformats.org/presentationml/2006/main">
-  <p:cSld>
-    <p:spTree>
-      <p:nvGrpSpPr>
-        <p:cNvPr id="1" name="">
-          <a:extLst>
-            <a:ext uri="{FF2B5EF4-FFF2-40B4-BE49-F238E27FC236}">
               <a16:creationId xmlns:a16="http://schemas.microsoft.com/office/drawing/2014/main" id="{67ECF1CA-7D96-B99D-46BA-3D7D778CA014}"/>
             </a:ext>
           </a:extLst>
@@ -7421,10 +6946,10 @@
       </p:sp>
       <p:pic>
         <p:nvPicPr>
-          <p:cNvPr id="14" name="Grafik 13" descr="Ein Bild, das Text, Screenshot, Diagramm, Reihe enthält.&#10;&#10;KI-generierte Inhalte können fehlerhaft sein.">
+          <p:cNvPr id="4" name="Grafik 3" descr="Ein Bild, das Text, Screenshot, Diagramm enthält.&#10;&#10;KI-generierte Inhalte können fehlerhaft sein.">
             <a:extLst>
               <a:ext uri="{FF2B5EF4-FFF2-40B4-BE49-F238E27FC236}">
-                <a16:creationId xmlns:a16="http://schemas.microsoft.com/office/drawing/2014/main" id="{12C4470B-5117-1549-2F1A-CCCF84B66044}"/>
+                <a16:creationId xmlns:a16="http://schemas.microsoft.com/office/drawing/2014/main" id="{755E24C6-DBBD-7806-8745-CDC06C2CCDB2}"/>
               </a:ext>
             </a:extLst>
           </p:cNvPr>
@@ -7447,8 +6972,8 @@
         </p:blipFill>
         <p:spPr>
           <a:xfrm>
-            <a:off x="533400" y="3086099"/>
-            <a:ext cx="14630400" cy="6214497"/>
+            <a:off x="515923" y="3009900"/>
+            <a:ext cx="14530823" cy="6172200"/>
           </a:xfrm>
           <a:prstGeom prst="rect">
             <a:avLst/>
@@ -7692,7 +7217,7 @@
 </p:sld>
 </file>
 
-<file path=ppt/slides/slide15.xml><?xml version="1.0" encoding="utf-8"?>
+<file path=ppt/slides/slide14.xml><?xml version="1.0" encoding="utf-8"?>
 <p:sld xmlns:a="http://schemas.openxmlformats.org/drawingml/2006/main" xmlns:r="http://schemas.openxmlformats.org/officeDocument/2006/relationships" xmlns:p="http://schemas.openxmlformats.org/presentationml/2006/main">
   <p:cSld>
     <p:spTree>
@@ -8045,10 +7570,10 @@
       </p:sp>
       <p:pic>
         <p:nvPicPr>
-          <p:cNvPr id="13" name="Grafik 12" descr="Ein Bild, das Text, Diagramm, Reihe, Screenshot enthält.&#10;&#10;KI-generierte Inhalte können fehlerhaft sein.">
+          <p:cNvPr id="4" name="Grafik 3" descr="Ein Bild, das Text, Diagramm, Reihe, Screenshot enthält.&#10;&#10;KI-generierte Inhalte können fehlerhaft sein.">
             <a:extLst>
               <a:ext uri="{FF2B5EF4-FFF2-40B4-BE49-F238E27FC236}">
-                <a16:creationId xmlns:a16="http://schemas.microsoft.com/office/drawing/2014/main" id="{A81E23E8-A419-3C17-53FE-94B9F35FB5E4}"/>
+                <a16:creationId xmlns:a16="http://schemas.microsoft.com/office/drawing/2014/main" id="{AF65C24B-B86C-1446-B97D-6F5FCCD21E9D}"/>
               </a:ext>
             </a:extLst>
           </p:cNvPr>
@@ -8071,7 +7596,7 @@
         </p:blipFill>
         <p:spPr>
           <a:xfrm>
-            <a:off x="1066800" y="2878319"/>
+            <a:off x="990600" y="3019688"/>
             <a:ext cx="15427788" cy="6553200"/>
           </a:xfrm>
           <a:prstGeom prst="rect">
@@ -8079,6 +7604,75 @@
           </a:prstGeom>
         </p:spPr>
       </p:pic>
+      <p:sp>
+        <p:nvSpPr>
+          <p:cNvPr id="9" name="Textfeld 8">
+            <a:extLst>
+              <a:ext uri="{FF2B5EF4-FFF2-40B4-BE49-F238E27FC236}">
+                <a16:creationId xmlns:a16="http://schemas.microsoft.com/office/drawing/2014/main" id="{A5F8D6CF-5D4D-A4D4-E7AE-40DCEE5CB084}"/>
+              </a:ext>
+            </a:extLst>
+          </p:cNvPr>
+          <p:cNvSpPr txBox="1"/>
+          <p:nvPr/>
+        </p:nvSpPr>
+        <p:spPr>
+          <a:xfrm>
+            <a:off x="9448800" y="3019688"/>
+            <a:ext cx="228600" cy="369332"/>
+          </a:xfrm>
+          <a:prstGeom prst="rect">
+            <a:avLst/>
+          </a:prstGeom>
+          <a:solidFill>
+            <a:schemeClr val="bg1"/>
+          </a:solidFill>
+        </p:spPr>
+        <p:txBody>
+          <a:bodyPr wrap="square" rtlCol="0">
+            <a:spAutoFit/>
+          </a:bodyPr>
+          <a:lstStyle/>
+          <a:p>
+            <a:endParaRPr lang="de-AT" dirty="0"/>
+          </a:p>
+        </p:txBody>
+      </p:sp>
+      <p:sp>
+        <p:nvSpPr>
+          <p:cNvPr id="12" name="Textfeld 11">
+            <a:extLst>
+              <a:ext uri="{FF2B5EF4-FFF2-40B4-BE49-F238E27FC236}">
+                <a16:creationId xmlns:a16="http://schemas.microsoft.com/office/drawing/2014/main" id="{7CF34861-E7AB-C1FD-7605-0951F07112A1}"/>
+              </a:ext>
+            </a:extLst>
+          </p:cNvPr>
+          <p:cNvSpPr txBox="1"/>
+          <p:nvPr/>
+        </p:nvSpPr>
+        <p:spPr>
+          <a:xfrm>
+            <a:off x="9372600" y="2973521"/>
+            <a:ext cx="377886" cy="461665"/>
+          </a:xfrm>
+          <a:prstGeom prst="rect">
+            <a:avLst/>
+          </a:prstGeom>
+          <a:noFill/>
+        </p:spPr>
+        <p:txBody>
+          <a:bodyPr wrap="square" rtlCol="0">
+            <a:spAutoFit/>
+          </a:bodyPr>
+          <a:lstStyle/>
+          <a:p>
+            <a:r>
+              <a:rPr lang="de-AT" sz="2400" dirty="0"/>
+              <a:t>5</a:t>
+            </a:r>
+          </a:p>
+        </p:txBody>
+      </p:sp>
     </p:spTree>
     <p:extLst>
       <p:ext uri="{BB962C8B-B14F-4D97-AF65-F5344CB8AC3E}">
@@ -8092,7 +7686,7 @@
 </p:sld>
 </file>
 
-<file path=ppt/slides/slide16.xml><?xml version="1.0" encoding="utf-8"?>
+<file path=ppt/slides/slide15.xml><?xml version="1.0" encoding="utf-8"?>
 <p:sld xmlns:a="http://schemas.openxmlformats.org/drawingml/2006/main" xmlns:r="http://schemas.openxmlformats.org/officeDocument/2006/relationships" xmlns:p="http://schemas.openxmlformats.org/presentationml/2006/main">
   <p:cSld>
     <p:spTree>
@@ -8391,82 +7985,6 @@
           </a:p>
         </p:txBody>
       </p:sp>
-      <p:grpSp>
-        <p:nvGrpSpPr>
-          <p:cNvPr id="10" name="Group 10"/>
-          <p:cNvGrpSpPr/>
-          <p:nvPr/>
-        </p:nvGrpSpPr>
-        <p:grpSpPr>
-          <a:xfrm>
-            <a:off x="10474702" y="2654143"/>
-            <a:ext cx="6784598" cy="6784598"/>
-            <a:chOff x="0" y="0"/>
-            <a:chExt cx="812800" cy="812800"/>
-          </a:xfrm>
-        </p:grpSpPr>
-        <p:sp>
-          <p:nvSpPr>
-            <p:cNvPr id="11" name="Freeform 11"/>
-            <p:cNvSpPr/>
-            <p:nvPr/>
-          </p:nvSpPr>
-          <p:spPr>
-            <a:xfrm>
-              <a:off x="0" y="0"/>
-              <a:ext cx="812800" cy="812800"/>
-            </a:xfrm>
-            <a:custGeom>
-              <a:avLst/>
-              <a:gdLst/>
-              <a:ahLst/>
-              <a:cxnLst/>
-              <a:rect l="l" t="t" r="r" b="b"/>
-              <a:pathLst>
-                <a:path w="812800" h="812800">
-                  <a:moveTo>
-                    <a:pt x="406400" y="0"/>
-                  </a:moveTo>
-                  <a:cubicBezTo>
-                    <a:pt x="181951" y="0"/>
-                    <a:pt x="0" y="181951"/>
-                    <a:pt x="0" y="406400"/>
-                  </a:cubicBezTo>
-                  <a:cubicBezTo>
-                    <a:pt x="0" y="630849"/>
-                    <a:pt x="181951" y="812800"/>
-                    <a:pt x="406400" y="812800"/>
-                  </a:cubicBezTo>
-                  <a:cubicBezTo>
-                    <a:pt x="630849" y="812800"/>
-                    <a:pt x="812800" y="630849"/>
-                    <a:pt x="812800" y="406400"/>
-                  </a:cubicBezTo>
-                  <a:cubicBezTo>
-                    <a:pt x="812800" y="181951"/>
-                    <a:pt x="630849" y="0"/>
-                    <a:pt x="406400" y="0"/>
-                  </a:cubicBezTo>
-                  <a:close/>
-                </a:path>
-              </a:pathLst>
-            </a:custGeom>
-            <a:blipFill>
-              <a:blip r:embed="rId4"/>
-              <a:stretch>
-                <a:fillRect l="-25187" r="-25187"/>
-              </a:stretch>
-            </a:blipFill>
-          </p:spPr>
-          <p:txBody>
-            <a:bodyPr/>
-            <a:lstStyle/>
-            <a:p>
-              <a:endParaRPr lang="de-AT"/>
-            </a:p>
-          </p:txBody>
-        </p:sp>
-      </p:grpSp>
       <p:sp>
         <p:nvSpPr>
           <p:cNvPr id="13" name="TextBox 13"/>
@@ -8623,65 +8141,6 @@
           <a:lstStyle/>
           <a:p>
             <a:endParaRPr lang="de-AT"/>
-          </a:p>
-        </p:txBody>
-      </p:sp>
-      <p:sp>
-        <p:nvSpPr>
-          <p:cNvPr id="16" name="TextBox 13">
-            <a:extLst>
-              <a:ext uri="{FF2B5EF4-FFF2-40B4-BE49-F238E27FC236}">
-                <a16:creationId xmlns:a16="http://schemas.microsoft.com/office/drawing/2014/main" id="{1D849038-EDD4-4A17-B7D4-26761EE10451}"/>
-              </a:ext>
-            </a:extLst>
-          </p:cNvPr>
-          <p:cNvSpPr txBox="1"/>
-          <p:nvPr/>
-        </p:nvSpPr>
-        <p:spPr>
-          <a:xfrm rot="1736788">
-            <a:off x="10731623" y="6435816"/>
-            <a:ext cx="7053922" cy="1242648"/>
-          </a:xfrm>
-          <a:prstGeom prst="rect">
-            <a:avLst/>
-          </a:prstGeom>
-        </p:spPr>
-        <p:txBody>
-          <a:bodyPr lIns="0" tIns="0" rIns="0" bIns="0" rtlCol="0" anchor="t">
-            <a:spAutoFit/>
-          </a:bodyPr>
-          <a:lstStyle/>
-          <a:p>
-            <a:pPr algn="l">
-              <a:lnSpc>
-                <a:spcPts val="7420"/>
-              </a:lnSpc>
-              <a:spcBef>
-                <a:spcPct val="0"/>
-              </a:spcBef>
-            </a:pPr>
-            <a:r>
-              <a:rPr lang="en-US" sz="13800" dirty="0">
-                <a:solidFill>
-                  <a:srgbClr val="FFFFFF"/>
-                </a:solidFill>
-                <a:latin typeface="League Spartan"/>
-                <a:ea typeface="League Spartan"/>
-                <a:cs typeface="League Spartan"/>
-                <a:sym typeface="League Spartan"/>
-              </a:rPr>
-              <a:t>LOGO</a:t>
-            </a:r>
-            <a:endParaRPr lang="en-US" sz="5300" dirty="0">
-              <a:solidFill>
-                <a:srgbClr val="FFFFFF"/>
-              </a:solidFill>
-              <a:latin typeface="League Spartan"/>
-              <a:ea typeface="League Spartan"/>
-              <a:cs typeface="League Spartan"/>
-              <a:sym typeface="League Spartan"/>
-            </a:endParaRPr>
           </a:p>
         </p:txBody>
       </p:sp>
@@ -9113,6 +8572,187 @@
           </a:p>
         </p:txBody>
       </p:sp>
+      <p:sp>
+        <p:nvSpPr>
+          <p:cNvPr id="12" name="AutoShape 2">
+            <a:extLst>
+              <a:ext uri="{FF2B5EF4-FFF2-40B4-BE49-F238E27FC236}">
+                <a16:creationId xmlns:a16="http://schemas.microsoft.com/office/drawing/2014/main" id="{3A481135-571D-6F5B-5DE9-33BF888FBD32}"/>
+              </a:ext>
+            </a:extLst>
+          </p:cNvPr>
+          <p:cNvSpPr>
+            <a:spLocks noChangeAspect="1" noChangeArrowheads="1"/>
+          </p:cNvSpPr>
+          <p:nvPr/>
+        </p:nvSpPr>
+        <p:spPr bwMode="auto">
+          <a:xfrm>
+            <a:off x="8991600" y="4991100"/>
+            <a:ext cx="304800" cy="304800"/>
+          </a:xfrm>
+          <a:prstGeom prst="rect">
+            <a:avLst/>
+          </a:prstGeom>
+          <a:noFill/>
+          <a:extLst>
+            <a:ext uri="{909E8E84-426E-40DD-AFC4-6F175D3DCCD1}">
+              <a14:hiddenFill xmlns:a14="http://schemas.microsoft.com/office/drawing/2010/main">
+                <a:solidFill>
+                  <a:srgbClr val="FFFFFF"/>
+                </a:solidFill>
+              </a14:hiddenFill>
+            </a:ext>
+          </a:extLst>
+        </p:spPr>
+        <p:txBody>
+          <a:bodyPr vert="horz" wrap="square" lIns="91440" tIns="45720" rIns="91440" bIns="45720" numCol="1" anchor="t" anchorCtr="0" compatLnSpc="1">
+            <a:prstTxWarp prst="textNoShape">
+              <a:avLst/>
+            </a:prstTxWarp>
+          </a:bodyPr>
+          <a:lstStyle/>
+          <a:p>
+            <a:endParaRPr lang="de-AT"/>
+          </a:p>
+        </p:txBody>
+      </p:sp>
+      <p:pic>
+        <p:nvPicPr>
+          <p:cNvPr id="28" name="Grafik 27" descr="Ein Bild, das Text, Logo, Grafiken, Schrift enthält.&#10;&#10;KI-generierte Inhalte können fehlerhaft sein.">
+            <a:extLst>
+              <a:ext uri="{FF2B5EF4-FFF2-40B4-BE49-F238E27FC236}">
+                <a16:creationId xmlns:a16="http://schemas.microsoft.com/office/drawing/2014/main" id="{8FADF2D4-9FC6-B4EF-96FE-04F36F9CCDBF}"/>
+              </a:ext>
+            </a:extLst>
+          </p:cNvPr>
+          <p:cNvPicPr>
+            <a:picLocks noChangeAspect="1"/>
+          </p:cNvPicPr>
+          <p:nvPr/>
+        </p:nvPicPr>
+        <p:blipFill>
+          <a:blip r:embed="rId4">
+            <a:extLst>
+              <a:ext uri="{BEBA8EAE-BF5A-486C-A8C5-ECC9F3942E4B}">
+                <a14:imgProps xmlns:a14="http://schemas.microsoft.com/office/drawing/2010/main">
+                  <a14:imgLayer r:embed="rId5">
+                    <a14:imgEffect>
+                      <a14:backgroundRemoval t="8105" b="90820" l="9961" r="89844">
+                        <a14:foregroundMark x1="40820" y1="28711" x2="40820" y2="28711"/>
+                        <a14:foregroundMark x1="39258" y1="17285" x2="39258" y2="17285"/>
+                        <a14:foregroundMark x1="53936" y1="8989" x2="58368" y2="8391"/>
+                        <a14:foregroundMark x1="38965" y1="15332" x2="39160" y2="18652"/>
+                        <a14:foregroundMark x1="30664" y1="19043" x2="33496" y2="21387"/>
+                        <a14:foregroundMark x1="27441" y1="26953" x2="31250" y2="26855"/>
+                        <a14:foregroundMark x1="39160" y1="34863" x2="39355" y2="37402"/>
+                        <a14:foregroundMark x1="44824" y1="33203" x2="47144" y2="33821"/>
+                        <a14:foregroundMark x1="47754" y1="26855" x2="50879" y2="26367"/>
+                        <a14:foregroundMark x1="32715" y1="33789" x2="32129" y2="35059"/>
+                        <a14:foregroundMark x1="44922" y1="20313" x2="46191" y2="19824"/>
+                        <a14:foregroundMark x1="68066" y1="33594" x2="67578" y2="55469"/>
+                        <a14:foregroundMark x1="26465" y1="52637" x2="26563" y2="60156"/>
+                        <a14:foregroundMark x1="34082" y1="48438" x2="33984" y2="58887"/>
+                        <a14:foregroundMark x1="42676" y1="55078" x2="42773" y2="61035"/>
+                        <a14:foregroundMark x1="50195" y1="49609" x2="50195" y2="57227"/>
+                        <a14:foregroundMark x1="59277" y1="56738" x2="60059" y2="63086"/>
+                        <a14:foregroundMark x1="66016" y1="60449" x2="66797" y2="64160"/>
+                        <a14:foregroundMark x1="15709" y1="79297" x2="15625" y2="80176"/>
+                        <a14:foregroundMark x1="15820" y1="78125" x2="15709" y2="79297"/>
+                        <a14:foregroundMark x1="23903" y1="79102" x2="24023" y2="80664"/>
+                        <a14:foregroundMark x1="23828" y1="78125" x2="23903" y2="79102"/>
+                        <a14:foregroundMark x1="32324" y1="78125" x2="31055" y2="80371"/>
+                        <a14:foregroundMark x1="40540" y1="79980" x2="40332" y2="80566"/>
+                        <a14:foregroundMark x1="41406" y1="77539" x2="40540" y2="79980"/>
+                        <a14:foregroundMark x1="48828" y1="77246" x2="48828" y2="80566"/>
+                        <a14:foregroundMark x1="57910" y1="77246" x2="57227" y2="78125"/>
+                        <a14:foregroundMark x1="65723" y1="77344" x2="64258" y2="79590"/>
+                        <a14:foregroundMark x1="73730" y1="79004" x2="74414" y2="82129"/>
+                        <a14:foregroundMark x1="81641" y1="77148" x2="81934" y2="79883"/>
+                        <a14:foregroundMark x1="20898" y1="88184" x2="20898" y2="88184"/>
+                        <a14:foregroundMark x1="25586" y1="87793" x2="25586" y2="87793"/>
+                        <a14:foregroundMark x1="29590" y1="87793" x2="29590" y2="87793"/>
+                        <a14:foregroundMark x1="33301" y1="88086" x2="33301" y2="88086"/>
+                        <a14:foregroundMark x1="37500" y1="88184" x2="37500" y2="88184"/>
+                        <a14:foregroundMark x1="16895" y1="88477" x2="16895" y2="88477"/>
+                        <a14:foregroundMark x1="18164" y1="90820" x2="18164" y2="90820"/>
+                        <a14:foregroundMark x1="16699" y1="89063" x2="16699" y2="89063"/>
+                        <a14:foregroundMark x1="18652" y1="87500" x2="18652" y2="87500"/>
+                        <a14:foregroundMark x1="17285" y1="87793" x2="17285" y2="87793"/>
+                        <a14:foregroundMark x1="40527" y1="87500" x2="40527" y2="87500"/>
+                        <a14:foregroundMark x1="43164" y1="88086" x2="43164" y2="88086"/>
+                        <a14:foregroundMark x1="45605" y1="88184" x2="45605" y2="88184"/>
+                        <a14:foregroundMark x1="49512" y1="88965" x2="49512" y2="88965"/>
+                        <a14:foregroundMark x1="55469" y1="88965" x2="55469" y2="88965"/>
+                        <a14:foregroundMark x1="59863" y1="88770" x2="59863" y2="88770"/>
+                        <a14:foregroundMark x1="64746" y1="87988" x2="64746" y2="87988"/>
+                        <a14:foregroundMark x1="69531" y1="88574" x2="69531" y2="88574"/>
+                        <a14:foregroundMark x1="73145" y1="88770" x2="73145" y2="88770"/>
+                        <a14:foregroundMark x1="76855" y1="88379" x2="76855" y2="88379"/>
+                        <a14:foregroundMark x1="81348" y1="88281" x2="81348" y2="88281"/>
+                        <a14:foregroundMark x1="25391" y1="90332" x2="25391" y2="90332"/>
+                        <a14:foregroundMark x1="81738" y1="88379" x2="81738" y2="88379"/>
+                        <a14:foregroundMark x1="81543" y1="88184" x2="81543" y2="88184"/>
+                        <a14:foregroundMark x1="81738" y1="89160" x2="81738" y2="89160"/>
+                        <a14:backgroundMark x1="39551" y1="11230" x2="50293" y2="10059"/>
+                        <a14:backgroundMark x1="51953" y1="9668" x2="51953" y2="9668"/>
+                        <a14:backgroundMark x1="50684" y1="9375" x2="52441" y2="9668"/>
+                        <a14:backgroundMark x1="38672" y1="11230" x2="40039" y2="10938"/>
+                        <a14:backgroundMark x1="52344" y1="9570" x2="53711" y2="9375"/>
+                        <a14:backgroundMark x1="58887" y1="7715" x2="63184" y2="8887"/>
+                        <a14:backgroundMark x1="48438" y1="17285" x2="48242" y2="18164"/>
+                        <a14:backgroundMark x1="47656" y1="17773" x2="48535" y2="19043"/>
+                        <a14:backgroundMark x1="33691" y1="31738" x2="34570" y2="33008"/>
+                        <a14:backgroundMark x1="47559" y1="33496" x2="48535" y2="34473"/>
+                        <a14:backgroundMark x1="86230" y1="12695" x2="86621" y2="18066"/>
+                        <a14:backgroundMark x1="86621" y1="18066" x2="86133" y2="17188"/>
+                        <a14:backgroundMark x1="86035" y1="15332" x2="86523" y2="20508"/>
+                        <a14:backgroundMark x1="86523" y1="20508" x2="86230" y2="22363"/>
+                        <a14:backgroundMark x1="17676" y1="79297" x2="17676" y2="79297"/>
+                        <a14:backgroundMark x1="18359" y1="81934" x2="18359" y2="81934"/>
+                        <a14:backgroundMark x1="25098" y1="79102" x2="25098" y2="79102"/>
+                        <a14:backgroundMark x1="42383" y1="79980" x2="42383" y2="79980"/>
+                        <a14:backgroundMark x1="22656" y1="89746" x2="22656" y2="89746"/>
+                        <a14:backgroundMark x1="41504" y1="86328" x2="40332" y2="86914"/>
+                        <a14:backgroundMark x1="40137" y1="87012" x2="41602" y2="87305"/>
+                        <a14:backgroundMark x1="17409" y1="89063" x2="17285" y2="89746"/>
+                        <a14:backgroundMark x1="17480" y1="88672" x2="17409" y2="89063"/>
+                        <a14:backgroundMark x1="60449" y1="89258" x2="60449" y2="89258"/>
+                        <a14:backgroundMark x1="70605" y1="88672" x2="70605" y2="88672"/>
+                        <a14:backgroundMark x1="73926" y1="89355" x2="73926" y2="89355"/>
+                        <a14:backgroundMark x1="25879" y1="89551" x2="25879" y2="89551"/>
+                        <a14:backgroundMark x1="25781" y1="89551" x2="25781" y2="89551"/>
+                        <a14:backgroundMark x1="81445" y1="87988" x2="81445" y2="87988"/>
+                        <a14:backgroundMark x1="81348" y1="88086" x2="81348" y2="88086"/>
+                        <a14:backgroundMark x1="81836" y1="88281" x2="81836" y2="88281"/>
+                        <a14:backgroundMark x1="81738" y1="88379" x2="81738" y2="88379"/>
+                        <a14:backgroundMark x1="81445" y1="88184" x2="81445" y2="88184"/>
+                        <a14:backgroundMark x1="81543" y1="88281" x2="81543" y2="88281"/>
+                        <a14:backgroundMark x1="81641" y1="88184" x2="81641" y2="88184"/>
+                      </a14:backgroundRemoval>
+                    </a14:imgEffect>
+                  </a14:imgLayer>
+                </a14:imgProps>
+              </a:ext>
+              <a:ext uri="{28A0092B-C50C-407E-A947-70E740481C1C}">
+                <a14:useLocalDpi xmlns:a14="http://schemas.microsoft.com/office/drawing/2010/main" val="0"/>
+              </a:ext>
+            </a:extLst>
+          </a:blip>
+          <a:stretch>
+            <a:fillRect/>
+          </a:stretch>
+        </p:blipFill>
+        <p:spPr>
+          <a:xfrm>
+            <a:off x="11506847" y="2334637"/>
+            <a:ext cx="4274216" cy="4274216"/>
+          </a:xfrm>
+          <a:prstGeom prst="rect">
+            <a:avLst/>
+          </a:prstGeom>
+        </p:spPr>
+      </p:pic>
     </p:spTree>
   </p:cSld>
   <p:clrMapOvr>
@@ -9121,7 +8761,7 @@
 </p:sld>
 </file>
 
-<file path=ppt/slides/slide17.xml><?xml version="1.0" encoding="utf-8"?>
+<file path=ppt/slides/slide16.xml><?xml version="1.0" encoding="utf-8"?>
 <p:sld xmlns:a="http://schemas.openxmlformats.org/drawingml/2006/main" xmlns:r="http://schemas.openxmlformats.org/officeDocument/2006/relationships" xmlns:p="http://schemas.openxmlformats.org/presentationml/2006/main">
   <p:cSld>
     <p:spTree>
@@ -10473,6 +10113,142 @@
           </a:p>
         </p:txBody>
       </p:sp>
+      <p:pic>
+        <p:nvPicPr>
+          <p:cNvPr id="15" name="Grafik 14" descr="Ein Bild, das Text, Logo, Grafiken, Schrift enthält.&#10;&#10;KI-generierte Inhalte können fehlerhaft sein.">
+            <a:extLst>
+              <a:ext uri="{FF2B5EF4-FFF2-40B4-BE49-F238E27FC236}">
+                <a16:creationId xmlns:a16="http://schemas.microsoft.com/office/drawing/2014/main" id="{94E3A87E-55F5-BBBE-17B2-3A5DC2BF5C6B}"/>
+              </a:ext>
+            </a:extLst>
+          </p:cNvPr>
+          <p:cNvPicPr>
+            <a:picLocks noChangeAspect="1"/>
+          </p:cNvPicPr>
+          <p:nvPr/>
+        </p:nvPicPr>
+        <p:blipFill>
+          <a:blip r:embed="rId5" cstate="print">
+            <a:extLst>
+              <a:ext uri="{BEBA8EAE-BF5A-486C-A8C5-ECC9F3942E4B}">
+                <a14:imgProps xmlns:a14="http://schemas.microsoft.com/office/drawing/2010/main">
+                  <a14:imgLayer r:embed="rId6">
+                    <a14:imgEffect>
+                      <a14:backgroundRemoval t="8105" b="90820" l="9961" r="89844">
+                        <a14:foregroundMark x1="40820" y1="28711" x2="40820" y2="28711"/>
+                        <a14:foregroundMark x1="39258" y1="17285" x2="39258" y2="17285"/>
+                        <a14:foregroundMark x1="53936" y1="8989" x2="58368" y2="8391"/>
+                        <a14:foregroundMark x1="38965" y1="15332" x2="39160" y2="18652"/>
+                        <a14:foregroundMark x1="30664" y1="19043" x2="33496" y2="21387"/>
+                        <a14:foregroundMark x1="27441" y1="26953" x2="31250" y2="26855"/>
+                        <a14:foregroundMark x1="39160" y1="34863" x2="39355" y2="37402"/>
+                        <a14:foregroundMark x1="44824" y1="33203" x2="47144" y2="33821"/>
+                        <a14:foregroundMark x1="47754" y1="26855" x2="50879" y2="26367"/>
+                        <a14:foregroundMark x1="32715" y1="33789" x2="32129" y2="35059"/>
+                        <a14:foregroundMark x1="44922" y1="20313" x2="46191" y2="19824"/>
+                        <a14:foregroundMark x1="68066" y1="33594" x2="67578" y2="55469"/>
+                        <a14:foregroundMark x1="26465" y1="52637" x2="26563" y2="60156"/>
+                        <a14:foregroundMark x1="34082" y1="48438" x2="33984" y2="58887"/>
+                        <a14:foregroundMark x1="42676" y1="55078" x2="42773" y2="61035"/>
+                        <a14:foregroundMark x1="50195" y1="49609" x2="50195" y2="57227"/>
+                        <a14:foregroundMark x1="59277" y1="56738" x2="60059" y2="63086"/>
+                        <a14:foregroundMark x1="66016" y1="60449" x2="66797" y2="64160"/>
+                        <a14:foregroundMark x1="15709" y1="79297" x2="15625" y2="80176"/>
+                        <a14:foregroundMark x1="15820" y1="78125" x2="15709" y2="79297"/>
+                        <a14:foregroundMark x1="23903" y1="79102" x2="24023" y2="80664"/>
+                        <a14:foregroundMark x1="23828" y1="78125" x2="23903" y2="79102"/>
+                        <a14:foregroundMark x1="32324" y1="78125" x2="31055" y2="80371"/>
+                        <a14:foregroundMark x1="40540" y1="79980" x2="40332" y2="80566"/>
+                        <a14:foregroundMark x1="41406" y1="77539" x2="40540" y2="79980"/>
+                        <a14:foregroundMark x1="48828" y1="77246" x2="48828" y2="80566"/>
+                        <a14:foregroundMark x1="57910" y1="77246" x2="57227" y2="78125"/>
+                        <a14:foregroundMark x1="65723" y1="77344" x2="64258" y2="79590"/>
+                        <a14:foregroundMark x1="73730" y1="79004" x2="74414" y2="82129"/>
+                        <a14:foregroundMark x1="81641" y1="77148" x2="81934" y2="79883"/>
+                        <a14:foregroundMark x1="20898" y1="88184" x2="20898" y2="88184"/>
+                        <a14:foregroundMark x1="25586" y1="87793" x2="25586" y2="87793"/>
+                        <a14:foregroundMark x1="29590" y1="87793" x2="29590" y2="87793"/>
+                        <a14:foregroundMark x1="33301" y1="88086" x2="33301" y2="88086"/>
+                        <a14:foregroundMark x1="37500" y1="88184" x2="37500" y2="88184"/>
+                        <a14:foregroundMark x1="16895" y1="88477" x2="16895" y2="88477"/>
+                        <a14:foregroundMark x1="18164" y1="90820" x2="18164" y2="90820"/>
+                        <a14:foregroundMark x1="16699" y1="89063" x2="16699" y2="89063"/>
+                        <a14:foregroundMark x1="18652" y1="87500" x2="18652" y2="87500"/>
+                        <a14:foregroundMark x1="17285" y1="87793" x2="17285" y2="87793"/>
+                        <a14:foregroundMark x1="40527" y1="87500" x2="40527" y2="87500"/>
+                        <a14:foregroundMark x1="43164" y1="88086" x2="43164" y2="88086"/>
+                        <a14:foregroundMark x1="45605" y1="88184" x2="45605" y2="88184"/>
+                        <a14:foregroundMark x1="49512" y1="88965" x2="49512" y2="88965"/>
+                        <a14:foregroundMark x1="55469" y1="88965" x2="55469" y2="88965"/>
+                        <a14:foregroundMark x1="59863" y1="88770" x2="59863" y2="88770"/>
+                        <a14:foregroundMark x1="64746" y1="87988" x2="64746" y2="87988"/>
+                        <a14:foregroundMark x1="69531" y1="88574" x2="69531" y2="88574"/>
+                        <a14:foregroundMark x1="73145" y1="88770" x2="73145" y2="88770"/>
+                        <a14:foregroundMark x1="76855" y1="88379" x2="76855" y2="88379"/>
+                        <a14:foregroundMark x1="81348" y1="88281" x2="81348" y2="88281"/>
+                        <a14:foregroundMark x1="25391" y1="90332" x2="25391" y2="90332"/>
+                        <a14:foregroundMark x1="81738" y1="88379" x2="81738" y2="88379"/>
+                        <a14:foregroundMark x1="81543" y1="88184" x2="81543" y2="88184"/>
+                        <a14:foregroundMark x1="81738" y1="89160" x2="81738" y2="89160"/>
+                        <a14:backgroundMark x1="39551" y1="11230" x2="50293" y2="10059"/>
+                        <a14:backgroundMark x1="51953" y1="9668" x2="51953" y2="9668"/>
+                        <a14:backgroundMark x1="50684" y1="9375" x2="52441" y2="9668"/>
+                        <a14:backgroundMark x1="38672" y1="11230" x2="40039" y2="10938"/>
+                        <a14:backgroundMark x1="52344" y1="9570" x2="53711" y2="9375"/>
+                        <a14:backgroundMark x1="58887" y1="7715" x2="63184" y2="8887"/>
+                        <a14:backgroundMark x1="48438" y1="17285" x2="48242" y2="18164"/>
+                        <a14:backgroundMark x1="47656" y1="17773" x2="48535" y2="19043"/>
+                        <a14:backgroundMark x1="33691" y1="31738" x2="34570" y2="33008"/>
+                        <a14:backgroundMark x1="47559" y1="33496" x2="48535" y2="34473"/>
+                        <a14:backgroundMark x1="86230" y1="12695" x2="86621" y2="18066"/>
+                        <a14:backgroundMark x1="86621" y1="18066" x2="86133" y2="17188"/>
+                        <a14:backgroundMark x1="86035" y1="15332" x2="86523" y2="20508"/>
+                        <a14:backgroundMark x1="86523" y1="20508" x2="86230" y2="22363"/>
+                        <a14:backgroundMark x1="17676" y1="79297" x2="17676" y2="79297"/>
+                        <a14:backgroundMark x1="18359" y1="81934" x2="18359" y2="81934"/>
+                        <a14:backgroundMark x1="25098" y1="79102" x2="25098" y2="79102"/>
+                        <a14:backgroundMark x1="42383" y1="79980" x2="42383" y2="79980"/>
+                        <a14:backgroundMark x1="22656" y1="89746" x2="22656" y2="89746"/>
+                        <a14:backgroundMark x1="41504" y1="86328" x2="40332" y2="86914"/>
+                        <a14:backgroundMark x1="40137" y1="87012" x2="41602" y2="87305"/>
+                        <a14:backgroundMark x1="17409" y1="89063" x2="17285" y2="89746"/>
+                        <a14:backgroundMark x1="17480" y1="88672" x2="17409" y2="89063"/>
+                        <a14:backgroundMark x1="60449" y1="89258" x2="60449" y2="89258"/>
+                        <a14:backgroundMark x1="70605" y1="88672" x2="70605" y2="88672"/>
+                        <a14:backgroundMark x1="73926" y1="89355" x2="73926" y2="89355"/>
+                        <a14:backgroundMark x1="25879" y1="89551" x2="25879" y2="89551"/>
+                        <a14:backgroundMark x1="25781" y1="89551" x2="25781" y2="89551"/>
+                        <a14:backgroundMark x1="81445" y1="87988" x2="81445" y2="87988"/>
+                        <a14:backgroundMark x1="81348" y1="88086" x2="81348" y2="88086"/>
+                        <a14:backgroundMark x1="81836" y1="88281" x2="81836" y2="88281"/>
+                        <a14:backgroundMark x1="81738" y1="88379" x2="81738" y2="88379"/>
+                        <a14:backgroundMark x1="81445" y1="88184" x2="81445" y2="88184"/>
+                        <a14:backgroundMark x1="81543" y1="88281" x2="81543" y2="88281"/>
+                        <a14:backgroundMark x1="81641" y1="88184" x2="81641" y2="88184"/>
+                      </a14:backgroundRemoval>
+                    </a14:imgEffect>
+                  </a14:imgLayer>
+                </a14:imgProps>
+              </a:ext>
+              <a:ext uri="{28A0092B-C50C-407E-A947-70E740481C1C}">
+                <a14:useLocalDpi xmlns:a14="http://schemas.microsoft.com/office/drawing/2010/main" val="0"/>
+              </a:ext>
+            </a:extLst>
+          </a:blip>
+          <a:stretch>
+            <a:fillRect/>
+          </a:stretch>
+        </p:blipFill>
+        <p:spPr>
+          <a:xfrm>
+            <a:off x="4318720" y="3735633"/>
+            <a:ext cx="3406490" cy="3406490"/>
+          </a:xfrm>
+          <a:prstGeom prst="rect">
+            <a:avLst/>
+          </a:prstGeom>
+        </p:spPr>
+      </p:pic>
     </p:spTree>
   </p:cSld>
   <p:clrMapOvr>
